--- a/第四章+分布式文件系统.pptx
+++ b/第四章+分布式文件系统.pptx
@@ -411,7 +411,7 @@
               <a:pPr>
                 <a:defRPr/>
               </a:pPr>
-              <a:t>2017/10/24</a:t>
+              <a:t>2017/10/25</a:t>
             </a:fld>
             <a:endParaRPr lang="en-US" altLang="zh-CN"/>
           </a:p>
@@ -641,7 +641,7 @@
               <a:pPr>
                 <a:defRPr/>
               </a:pPr>
-              <a:t>2017/10/24</a:t>
+              <a:t>2017/10/25</a:t>
             </a:fld>
             <a:endParaRPr lang="zh-CN" altLang="en-US"/>
           </a:p>
@@ -4589,7 +4589,7 @@
               <a:pPr>
                 <a:defRPr/>
               </a:pPr>
-              <a:t>2017/10/24</a:t>
+              <a:t>2017/10/25</a:t>
             </a:fld>
             <a:endParaRPr lang="zh-CN" altLang="en-US"/>
           </a:p>
@@ -4795,7 +4795,7 @@
               <a:pPr>
                 <a:defRPr/>
               </a:pPr>
-              <a:t>2017/10/24</a:t>
+              <a:t>2017/10/25</a:t>
             </a:fld>
             <a:endParaRPr lang="zh-CN" altLang="en-US"/>
           </a:p>
@@ -5009,7 +5009,7 @@
               <a:pPr>
                 <a:defRPr/>
               </a:pPr>
-              <a:t>2017/10/24</a:t>
+              <a:t>2017/10/25</a:t>
             </a:fld>
             <a:endParaRPr lang="zh-CN" altLang="en-US"/>
           </a:p>
@@ -5213,7 +5213,7 @@
               <a:pPr>
                 <a:defRPr/>
               </a:pPr>
-              <a:t>2017/10/24</a:t>
+              <a:t>2017/10/25</a:t>
             </a:fld>
             <a:endParaRPr lang="zh-CN" altLang="en-US"/>
           </a:p>
@@ -5439,7 +5439,7 @@
               <a:pPr>
                 <a:defRPr/>
               </a:pPr>
-              <a:t>2017/10/24</a:t>
+              <a:t>2017/10/25</a:t>
             </a:fld>
             <a:endParaRPr lang="zh-CN" altLang="en-US"/>
           </a:p>
@@ -5761,7 +5761,7 @@
               <a:pPr>
                 <a:defRPr/>
               </a:pPr>
-              <a:t>2017/10/24</a:t>
+              <a:t>2017/10/25</a:t>
             </a:fld>
             <a:endParaRPr lang="zh-CN" altLang="en-US"/>
           </a:p>
@@ -6222,7 +6222,7 @@
               <a:pPr>
                 <a:defRPr/>
               </a:pPr>
-              <a:t>2017/10/24</a:t>
+              <a:t>2017/10/25</a:t>
             </a:fld>
             <a:endParaRPr lang="zh-CN" altLang="en-US"/>
           </a:p>
@@ -6374,7 +6374,7 @@
               <a:pPr>
                 <a:defRPr/>
               </a:pPr>
-              <a:t>2017/10/24</a:t>
+              <a:t>2017/10/25</a:t>
             </a:fld>
             <a:endParaRPr lang="zh-CN" altLang="en-US"/>
           </a:p>
@@ -6503,7 +6503,7 @@
               <a:pPr>
                 <a:defRPr/>
               </a:pPr>
-              <a:t>2017/10/24</a:t>
+              <a:t>2017/10/25</a:t>
             </a:fld>
             <a:endParaRPr lang="zh-CN" altLang="en-US"/>
           </a:p>
@@ -6814,7 +6814,7 @@
               <a:pPr>
                 <a:defRPr/>
               </a:pPr>
-              <a:t>2017/10/24</a:t>
+              <a:t>2017/10/25</a:t>
             </a:fld>
             <a:endParaRPr lang="zh-CN" altLang="en-US"/>
           </a:p>
@@ -7102,7 +7102,7 @@
               <a:pPr>
                 <a:defRPr/>
               </a:pPr>
-              <a:t>2017/10/24</a:t>
+              <a:t>2017/10/25</a:t>
             </a:fld>
             <a:endParaRPr lang="zh-CN" altLang="en-US"/>
           </a:p>
@@ -7431,7 +7431,7 @@
               <a:pPr>
                 <a:defRPr/>
               </a:pPr>
-              <a:t>2017/10/24</a:t>
+              <a:t>2017/10/25</a:t>
             </a:fld>
             <a:endParaRPr lang="zh-CN" altLang="en-US"/>
           </a:p>
@@ -11508,7 +11508,7 @@
                 </a:spcAft>
                 <a:defRPr/>
               </a:pPr>
-              <a:t>2017/10/24</a:t>
+              <a:t>2017/10/25</a:t>
             </a:fld>
             <a:endParaRPr lang="zh-CN" altLang="en-US" sz="1200">
               <a:solidFill>
@@ -11787,7 +11787,7 @@
                 </a:spcAft>
                 <a:defRPr/>
               </a:pPr>
-              <a:t>2017/10/24</a:t>
+              <a:t>2017/10/25</a:t>
             </a:fld>
             <a:endParaRPr lang="zh-CN" altLang="en-US" sz="1200">
               <a:solidFill>
@@ -12640,66 +12640,66 @@
           <a:lstStyle/>
           <a:p>
             <a:r>
-              <a:rPr lang="zh-CN" altLang="en-US" smtClean="0"/>
+              <a:rPr lang="zh-CN" altLang="en-US" dirty="0" smtClean="0"/>
               <a:t>容错</a:t>
             </a:r>
           </a:p>
           <a:p>
             <a:pPr lvl="1"/>
             <a:r>
-              <a:rPr lang="zh-CN" altLang="en-US" smtClean="0"/>
+              <a:rPr lang="zh-CN" altLang="en-US" dirty="0" smtClean="0"/>
               <a:t>无状态的服务器</a:t>
             </a:r>
             <a:r>
-              <a:rPr lang="en-US" altLang="zh-CN" smtClean="0"/>
+              <a:rPr lang="en-US" altLang="zh-CN" dirty="0" smtClean="0"/>
               <a:t>: </a:t>
             </a:r>
             <a:r>
-              <a:rPr lang="zh-CN" altLang="en-US" smtClean="0"/>
+              <a:rPr lang="zh-CN" altLang="en-US" dirty="0" smtClean="0"/>
               <a:t>崩溃重启时不需恢复</a:t>
             </a:r>
           </a:p>
           <a:p>
             <a:r>
-              <a:rPr lang="zh-CN" altLang="en-US" smtClean="0"/>
+              <a:rPr lang="zh-CN" altLang="en-US" dirty="0" smtClean="0"/>
               <a:t>一致性</a:t>
             </a:r>
           </a:p>
           <a:p>
             <a:pPr lvl="1"/>
             <a:r>
-              <a:rPr lang="zh-CN" altLang="en-US" smtClean="0"/>
+              <a:rPr lang="zh-CN" altLang="en-US" dirty="0" smtClean="0"/>
               <a:t>当文件在不同地点被复制和缓存时，要保持多副本的一致性</a:t>
             </a:r>
           </a:p>
           <a:p>
             <a:r>
-              <a:rPr lang="zh-CN" altLang="en-US" smtClean="0"/>
+              <a:rPr lang="zh-CN" altLang="en-US" dirty="0" smtClean="0"/>
               <a:t>安全性</a:t>
             </a:r>
           </a:p>
           <a:p>
             <a:pPr lvl="1"/>
             <a:r>
-              <a:rPr lang="zh-CN" altLang="en-US" smtClean="0"/>
+              <a:rPr lang="zh-CN" altLang="en-US" dirty="0" smtClean="0"/>
               <a:t>身份验证，访问控制，安全通道</a:t>
             </a:r>
           </a:p>
           <a:p>
             <a:r>
-              <a:rPr lang="zh-CN" altLang="en-US" smtClean="0"/>
+              <a:rPr lang="zh-CN" altLang="en-US" dirty="0" smtClean="0"/>
               <a:t>效率</a:t>
             </a:r>
           </a:p>
           <a:p>
             <a:pPr lvl="1"/>
             <a:r>
-              <a:rPr lang="zh-CN" altLang="en-US" smtClean="0"/>
+              <a:rPr lang="zh-CN" altLang="en-US" dirty="0" smtClean="0"/>
               <a:t>应提供比传统文件系统相同或更强的性能和可靠性</a:t>
             </a:r>
           </a:p>
           <a:p>
-            <a:endParaRPr lang="zh-CN" altLang="en-US" smtClean="0"/>
+            <a:endParaRPr lang="zh-CN" altLang="en-US" dirty="0" smtClean="0"/>
           </a:p>
         </p:txBody>
       </p:sp>
@@ -12887,7 +12887,7 @@
               <a:pPr>
                 <a:defRPr/>
               </a:pPr>
-              <a:t>2017/10/24</a:t>
+              <a:t>2017/10/25</a:t>
             </a:fld>
             <a:endParaRPr lang="zh-CN" altLang="en-US"/>
           </a:p>
@@ -13070,7 +13070,7 @@
               <a:pPr>
                 <a:defRPr/>
               </a:pPr>
-              <a:t>2017/10/24</a:t>
+              <a:t>2017/10/25</a:t>
             </a:fld>
             <a:endParaRPr lang="zh-CN" altLang="en-US"/>
           </a:p>
@@ -13655,7 +13655,7 @@
                 </a:spcAft>
                 <a:defRPr/>
               </a:pPr>
-              <a:t>2017/10/24</a:t>
+              <a:t>2017/10/25</a:t>
             </a:fld>
             <a:endParaRPr lang="zh-CN" altLang="en-US" sz="1200">
               <a:solidFill>
@@ -13820,7 +13820,7 @@
               <a:pPr>
                 <a:defRPr/>
               </a:pPr>
-              <a:t>2017/10/24</a:t>
+              <a:t>2017/10/25</a:t>
             </a:fld>
             <a:endParaRPr lang="zh-CN" altLang="en-US"/>
           </a:p>
@@ -25289,7 +25289,7 @@
                 </a:spcAft>
                 <a:defRPr/>
               </a:pPr>
-              <a:t>2017/10/24</a:t>
+              <a:t>2017/10/25</a:t>
             </a:fld>
             <a:endParaRPr lang="zh-CN" altLang="en-US" sz="1200">
               <a:solidFill>
@@ -29756,7 +29756,7 @@
                 </a:spcAft>
                 <a:defRPr/>
               </a:pPr>
-              <a:t>2017/10/24</a:t>
+              <a:t>2017/10/25</a:t>
             </a:fld>
             <a:endParaRPr lang="zh-CN" altLang="en-US" sz="1200">
               <a:solidFill>
@@ -42660,7 +42660,7 @@
                 </a:spcAft>
                 <a:defRPr/>
               </a:pPr>
-              <a:t>2017/10/24</a:t>
+              <a:t>2017/10/25</a:t>
             </a:fld>
             <a:endParaRPr lang="zh-CN" altLang="en-US" sz="1200">
               <a:solidFill>
